--- a/Troubleshooting Chip Failures with Hybrid Classification System_with MLP and SVM slides added.pptx
+++ b/Troubleshooting Chip Failures with Hybrid Classification System_with MLP and SVM slides added.pptx
@@ -11080,7 +11080,9 @@
           </a:xfrm>
         </p:spPr>
         <p:txBody>
-          <a:bodyPr/>
+          <a:bodyPr>
+            <a:normAutofit lnSpcReduction="10000"/>
+          </a:bodyPr>
           <a:lstStyle/>
           <a:p>
             <a:r>
@@ -11133,6 +11135,21 @@
               </a:rPr>
               <a:t>For MLP and SVM, it will repeat with bagging (#estimator = 10)</a:t>
             </a:r>
+          </a:p>
+          <a:p>
+            <a:r>
+              <a:rPr lang="en-US" dirty="0">
+                <a:solidFill>
+                  <a:schemeClr val="bg1"/>
+                </a:solidFill>
+              </a:rPr>
+              <a:t>We use the Voting Classifier in which the ensemble model makes the prediction by majority vote.</a:t>
+            </a:r>
+            <a:endParaRPr lang="en-MY" dirty="0">
+              <a:solidFill>
+                <a:schemeClr val="bg1"/>
+              </a:solidFill>
+            </a:endParaRPr>
           </a:p>
         </p:txBody>
       </p:sp>
@@ -11216,7 +11233,7 @@
         </p:nvSpPr>
         <p:spPr>
           <a:xfrm>
-            <a:off x="9524" y="1543050"/>
+            <a:off x="9524" y="1562715"/>
             <a:ext cx="12192000" cy="5314205"/>
           </a:xfrm>
           <a:prstGeom prst="rect">
@@ -11328,31 +11345,441 @@
         </p:nvSpPr>
         <p:spPr>
           <a:xfrm>
-            <a:off x="838200" y="2190749"/>
-            <a:ext cx="10515600" cy="3986213"/>
+            <a:off x="1014872" y="2027222"/>
+            <a:ext cx="4845154" cy="4609552"/>
           </a:xfrm>
+          <a:solidFill>
+            <a:schemeClr val="bg1"/>
+          </a:solidFill>
         </p:spPr>
         <p:txBody>
-          <a:bodyPr/>
+          <a:bodyPr>
+            <a:noAutofit/>
+          </a:bodyPr>
           <a:lstStyle/>
           <a:p>
+            <a:pPr marL="0" indent="0">
+              <a:buNone/>
+            </a:pPr>
+            <a:r>
+              <a:rPr lang="en-MY" sz="1600" dirty="0">
+                <a:solidFill>
+                  <a:schemeClr val="accent1">
+                    <a:lumMod val="75000"/>
+                  </a:schemeClr>
+                </a:solidFill>
+              </a:rPr>
+              <a:t>Random forest SB score: 0.9903006789524733</a:t>
+            </a:r>
+          </a:p>
+          <a:p>
+            <a:pPr marL="0" indent="0">
+              <a:buNone/>
+            </a:pPr>
+            <a:r>
+              <a:rPr lang="en-MY" sz="1600" dirty="0">
+                <a:solidFill>
+                  <a:schemeClr val="accent1">
+                    <a:lumMod val="75000"/>
+                  </a:schemeClr>
+                </a:solidFill>
+              </a:rPr>
+              <a:t>Random forest COL score: 0.9844810863239574</a:t>
+            </a:r>
+          </a:p>
+          <a:p>
+            <a:pPr marL="0" indent="0">
+              <a:buNone/>
+            </a:pPr>
+            <a:r>
+              <a:rPr lang="en-MY" sz="1600" dirty="0">
+                <a:solidFill>
+                  <a:schemeClr val="accent1">
+                    <a:lumMod val="75000"/>
+                  </a:schemeClr>
+                </a:solidFill>
+              </a:rPr>
+              <a:t>Random forest ROW score: 0.9844810863239574</a:t>
+            </a:r>
+          </a:p>
+          <a:p>
+            <a:pPr marL="0" indent="0">
+              <a:buNone/>
+            </a:pPr>
+            <a:r>
+              <a:rPr lang="en-MY" sz="1600" dirty="0">
+                <a:solidFill>
+                  <a:schemeClr val="accent1">
+                    <a:lumMod val="75000"/>
+                  </a:schemeClr>
+                </a:solidFill>
+              </a:rPr>
+              <a:t>Overall Random Forest Score0.9598023981818824: </a:t>
+            </a:r>
+          </a:p>
+          <a:p>
+            <a:pPr marL="0" indent="0">
+              <a:buNone/>
+            </a:pPr>
+            <a:endParaRPr lang="en-MY" sz="1600" dirty="0">
+              <a:solidFill>
+                <a:schemeClr val="accent1">
+                  <a:lumMod val="75000"/>
+                </a:schemeClr>
+              </a:solidFill>
+            </a:endParaRPr>
+          </a:p>
+          <a:p>
+            <a:pPr marL="0" indent="0">
+              <a:buNone/>
+            </a:pPr>
+            <a:r>
+              <a:rPr lang="en-MY" sz="1600" dirty="0">
+                <a:solidFill>
+                  <a:schemeClr val="accent1">
+                    <a:lumMod val="75000"/>
+                  </a:schemeClr>
+                </a:solidFill>
+              </a:rPr>
+              <a:t>SVM SB score: 0.997090203685742</a:t>
+            </a:r>
+          </a:p>
+          <a:p>
+            <a:pPr marL="0" indent="0">
+              <a:buNone/>
+            </a:pPr>
+            <a:r>
+              <a:rPr lang="en-MY" sz="1600" dirty="0">
+                <a:solidFill>
+                  <a:schemeClr val="accent1">
+                    <a:lumMod val="75000"/>
+                  </a:schemeClr>
+                </a:solidFill>
+              </a:rPr>
+              <a:t>SVM COL score: 0.9844810863239574</a:t>
+            </a:r>
+          </a:p>
+          <a:p>
+            <a:pPr marL="0" indent="0">
+              <a:buNone/>
+            </a:pPr>
+            <a:r>
+              <a:rPr lang="en-MY" sz="1600" dirty="0">
+                <a:solidFill>
+                  <a:schemeClr val="accent1">
+                    <a:lumMod val="75000"/>
+                  </a:schemeClr>
+                </a:solidFill>
+              </a:rPr>
+              <a:t>SVM ROW score: 0.9844810863239574</a:t>
+            </a:r>
+          </a:p>
+          <a:p>
+            <a:pPr marL="0" indent="0">
+              <a:buNone/>
+            </a:pPr>
+            <a:r>
+              <a:rPr lang="en-MY" sz="1600" dirty="0">
+                <a:solidFill>
+                  <a:schemeClr val="accent1">
+                    <a:lumMod val="75000"/>
+                  </a:schemeClr>
+                </a:solidFill>
+              </a:rPr>
+              <a:t>Overall </a:t>
+            </a:r>
+            <a:r>
+              <a:rPr lang="en-MY" sz="1600" dirty="0" err="1">
+                <a:solidFill>
+                  <a:schemeClr val="accent1">
+                    <a:lumMod val="75000"/>
+                  </a:schemeClr>
+                </a:solidFill>
+              </a:rPr>
+              <a:t>svm</a:t>
+            </a:r>
+            <a:r>
+              <a:rPr lang="en-MY" sz="1600" dirty="0">
+                <a:solidFill>
+                  <a:schemeClr val="accent1">
+                    <a:lumMod val="75000"/>
+                  </a:schemeClr>
+                </a:solidFill>
+              </a:rPr>
+              <a:t> Score0.9663828259852841: </a:t>
+            </a:r>
+          </a:p>
+          <a:p>
+            <a:pPr marL="0" indent="0">
+              <a:buNone/>
+            </a:pPr>
+            <a:endParaRPr lang="en-MY" sz="1600" dirty="0">
+              <a:solidFill>
+                <a:schemeClr val="accent1">
+                  <a:lumMod val="75000"/>
+                </a:schemeClr>
+              </a:solidFill>
+            </a:endParaRPr>
+          </a:p>
+          <a:p>
+            <a:pPr marL="0" indent="0">
+              <a:buNone/>
+            </a:pPr>
+            <a:r>
+              <a:rPr lang="en-MY" sz="1600" dirty="0">
+                <a:solidFill>
+                  <a:schemeClr val="accent1">
+                    <a:lumMod val="75000"/>
+                  </a:schemeClr>
+                </a:solidFill>
+              </a:rPr>
+              <a:t>MLP SB score: 0.9941804073714839</a:t>
+            </a:r>
+          </a:p>
+          <a:p>
+            <a:pPr marL="0" indent="0">
+              <a:buNone/>
+            </a:pPr>
+            <a:r>
+              <a:rPr lang="en-MY" sz="1600" dirty="0">
+                <a:solidFill>
+                  <a:schemeClr val="accent1">
+                    <a:lumMod val="75000"/>
+                  </a:schemeClr>
+                </a:solidFill>
+              </a:rPr>
+              <a:t>MLP COL score: 0.98545101842871</a:t>
+            </a:r>
+          </a:p>
+          <a:p>
+            <a:pPr marL="0" indent="0">
+              <a:buNone/>
+            </a:pPr>
+            <a:r>
+              <a:rPr lang="en-MY" sz="1600" dirty="0">
+                <a:solidFill>
+                  <a:schemeClr val="accent1">
+                    <a:lumMod val="75000"/>
+                  </a:schemeClr>
+                </a:solidFill>
+              </a:rPr>
+              <a:t>MLP ROW score: 0.98545101842871</a:t>
+            </a:r>
+          </a:p>
+          <a:p>
+            <a:pPr marL="0" indent="0">
+              <a:buNone/>
+            </a:pPr>
+            <a:endParaRPr lang="en-MY" sz="1600" dirty="0">
+              <a:solidFill>
+                <a:schemeClr val="accent1">
+                  <a:lumMod val="75000"/>
+                </a:schemeClr>
+              </a:solidFill>
+            </a:endParaRPr>
+          </a:p>
+        </p:txBody>
+      </p:sp>
+      <p:sp>
+        <p:nvSpPr>
+          <p:cNvPr id="6" name="Rectangle 1">
+            <a:extLst>
+              <a:ext uri="{FF2B5EF4-FFF2-40B4-BE49-F238E27FC236}">
+                <a16:creationId xmlns:a16="http://schemas.microsoft.com/office/drawing/2014/main" id="{FAA55082-A3C8-44AA-8E56-5E50C98341F8}"/>
+              </a:ext>
+            </a:extLst>
+          </p:cNvPr>
+          <p:cNvSpPr>
+            <a:spLocks noChangeArrowheads="1"/>
+          </p:cNvSpPr>
+          <p:nvPr/>
+        </p:nvSpPr>
+        <p:spPr bwMode="auto">
+          <a:xfrm>
+            <a:off x="0" y="0"/>
+            <a:ext cx="12192000" cy="457200"/>
+          </a:xfrm>
+          <a:prstGeom prst="rect">
+            <a:avLst/>
+          </a:prstGeom>
+          <a:solidFill>
+            <a:srgbClr val="FFFFFF"/>
+          </a:solidFill>
+          <a:ln>
+            <a:noFill/>
+          </a:ln>
+          <a:effectLst/>
+          <a:extLst>
+            <a:ext uri="{91240B29-F687-4F45-9708-019B960494DF}">
+              <a14:hiddenLine xmlns:a14="http://schemas.microsoft.com/office/drawing/2010/main" w="9525">
+                <a:solidFill>
+                  <a:schemeClr val="tx1"/>
+                </a:solidFill>
+                <a:miter lim="800000"/>
+                <a:headEnd/>
+                <a:tailEnd/>
+              </a14:hiddenLine>
+            </a:ext>
+            <a:ext uri="{AF507438-7753-43E0-B8FC-AC1667EBCBE1}">
+              <a14:hiddenEffects xmlns:a14="http://schemas.microsoft.com/office/drawing/2010/main">
+                <a:effectLst>
+                  <a:outerShdw dist="35921" dir="2700000" algn="ctr" rotWithShape="0">
+                    <a:schemeClr val="bg2"/>
+                  </a:outerShdw>
+                </a:effectLst>
+              </a14:hiddenEffects>
+            </a:ext>
+          </a:extLst>
+        </p:spPr>
+        <p:txBody>
+          <a:bodyPr vert="horz" wrap="none" lIns="0" tIns="0" rIns="0" bIns="0" numCol="1" anchor="ctr" anchorCtr="0" compatLnSpc="1">
+            <a:prstTxWarp prst="textNoShape">
+              <a:avLst/>
+            </a:prstTxWarp>
+            <a:spAutoFit/>
+          </a:bodyPr>
+          <a:lstStyle/>
+          <a:p>
+            <a:pPr marL="0" marR="0" lvl="0" indent="0" algn="l" defTabSz="914400" rtl="0" eaLnBrk="0" fontAlgn="base" latinLnBrk="0" hangingPunct="0">
+              <a:lnSpc>
+                <a:spcPct val="100000"/>
+              </a:lnSpc>
+              <a:spcBef>
+                <a:spcPct val="0"/>
+              </a:spcBef>
+              <a:spcAft>
+                <a:spcPct val="0"/>
+              </a:spcAft>
+              <a:buClrTx/>
+              <a:buSzTx/>
+              <a:buFontTx/>
+              <a:buNone/>
+              <a:tabLst/>
+            </a:pPr>
+            <a:r>
+              <a:rPr kumimoji="0" lang="en-US" altLang="en-US" sz="1000" b="0" i="0" u="none" strike="noStrike" cap="none" normalizeH="0" baseline="0">
+                <a:ln>
+                  <a:noFill/>
+                </a:ln>
+                <a:solidFill>
+                  <a:srgbClr val="000000"/>
+                </a:solidFill>
+                <a:effectLst/>
+                <a:latin typeface="Courier New" panose="02070309020205020404" pitchFamily="49" charset="0"/>
+              </a:rPr>
+              <a:t>Random forest SB score: 0.9903006789524733 Random forest COL score: 0.9844810863239574 Random forest ROW score: 0.9844810863239574 Overall Random Forest Score0.9598023981818824: OneVsRestClassifier(estimator=SVC(C=3, cache_size=200, class_weight=None, coef0=0.0, decision_function_shape='ovr', degree=3, gamma='auto_deprecated', kernel='linear', max_iter=-1, probability=True, random_state=None, shrinking=True, tol=0.001, verbose=False), n_jobs=None) SVM SB score: 0.997090203685742 SVM COL score: 0.9844810863239574 SVM ROW score: 0.9844810863239574 Overall svm Score0.9663828259852841: MLPClassifier(activation='relu', alpha=5.091254011434307, batch_size='auto', beta_1=0.9, beta_2=0.999, early_stopping=True, epsilon=1e-08, hidden_layer_sizes=9, learning_rate='constant', learning_rate_init=0.5171840179154447, max_iter=4000, momentum=0.9, n_iter_no_change=10, nesterovs_momentum=True, power_t=0.4768853983596606, random_state=42, shuffle=True, solver='lbfgs', tol=0.0001, validation_fraction=0.1, verbose=False, warm_start=True) mlp SB score: 0.9941804073714839 mlp COL score: 0.98545101842871 mlp ROW score: 0.98545101842871 Overall mlp Score0.9654622235356315</a:t>
+            </a:r>
+            <a:r>
+              <a:rPr kumimoji="0" lang="en-US" altLang="en-US" sz="800" b="0" i="0" u="none" strike="noStrike" cap="none" normalizeH="0" baseline="0">
+                <a:ln>
+                  <a:noFill/>
+                </a:ln>
+                <a:solidFill>
+                  <a:schemeClr val="tx1"/>
+                </a:solidFill>
+                <a:effectLst/>
+              </a:rPr>
+              <a:t> </a:t>
+            </a:r>
+            <a:endParaRPr kumimoji="0" lang="en-US" altLang="en-US" sz="1800" b="0" i="0" u="none" strike="noStrike" cap="none" normalizeH="0" baseline="0">
+              <a:ln>
+                <a:noFill/>
+              </a:ln>
+              <a:solidFill>
+                <a:schemeClr val="tx1"/>
+              </a:solidFill>
+              <a:effectLst/>
+              <a:latin typeface="Arial" panose="020B0604020202020204" pitchFamily="34" charset="0"/>
+            </a:endParaRPr>
+          </a:p>
+        </p:txBody>
+      </p:sp>
+      <p:sp>
+        <p:nvSpPr>
+          <p:cNvPr id="9" name="Rectangle 8">
+            <a:extLst>
+              <a:ext uri="{FF2B5EF4-FFF2-40B4-BE49-F238E27FC236}">
+                <a16:creationId xmlns:a16="http://schemas.microsoft.com/office/drawing/2014/main" id="{E59BA115-50C7-4AC4-A46E-27913F340588}"/>
+              </a:ext>
+            </a:extLst>
+          </p:cNvPr>
+          <p:cNvSpPr/>
+          <p:nvPr/>
+        </p:nvSpPr>
+        <p:spPr>
+          <a:xfrm>
+            <a:off x="7177548" y="2369574"/>
+            <a:ext cx="4845154" cy="1150374"/>
+          </a:xfrm>
+          <a:prstGeom prst="rect">
+            <a:avLst/>
+          </a:prstGeom>
+          <a:solidFill>
+            <a:schemeClr val="bg1"/>
+          </a:solidFill>
+        </p:spPr>
+        <p:style>
+          <a:lnRef idx="2">
+            <a:schemeClr val="accent1">
+              <a:shade val="50000"/>
+            </a:schemeClr>
+          </a:lnRef>
+          <a:fillRef idx="1">
+            <a:schemeClr val="accent1"/>
+          </a:fillRef>
+          <a:effectRef idx="0">
+            <a:schemeClr val="accent1"/>
+          </a:effectRef>
+          <a:fontRef idx="minor">
+            <a:schemeClr val="lt1"/>
+          </a:fontRef>
+        </p:style>
+        <p:txBody>
+          <a:bodyPr rtlCol="0" anchor="ctr"/>
+          <a:lstStyle/>
+          <a:p>
+            <a:r>
+              <a:rPr lang="en-MY" sz="2400" b="1" dirty="0">
+                <a:solidFill>
+                  <a:schemeClr val="accent1">
+                    <a:lumMod val="75000"/>
+                  </a:schemeClr>
+                </a:solidFill>
+              </a:rPr>
+              <a:t>Overall Winner  </a:t>
+            </a:r>
+            <a:r>
+              <a:rPr lang="en-MY" sz="3200" dirty="0">
+                <a:solidFill>
+                  <a:schemeClr val="accent1">
+                    <a:lumMod val="75000"/>
+                  </a:schemeClr>
+                </a:solidFill>
+              </a:rPr>
+              <a:t>MLP</a:t>
+            </a:r>
             <a:r>
               <a:rPr lang="en-MY" dirty="0">
                 <a:solidFill>
-                  <a:schemeClr val="bg1"/>
-                </a:solidFill>
-              </a:rPr>
-              <a:t>The Competitive Agent will choose the technique with best Total Score. The detail related to the chosen technique will be displayed.</a:t>
-            </a:r>
-          </a:p>
-          <a:p>
-            <a:r>
-              <a:rPr lang="en-MY" dirty="0">
-                <a:solidFill>
-                  <a:schemeClr val="bg1"/>
-                </a:solidFill>
-              </a:rPr>
-              <a:t>The Total Score= Feature Correlation Score + Accuracy Score – Mis-Classification Penalty</a:t>
+                  <a:schemeClr val="accent1">
+                    <a:lumMod val="75000"/>
+                  </a:schemeClr>
+                </a:solidFill>
+              </a:rPr>
+              <a:t> </a:t>
+            </a:r>
+          </a:p>
+          <a:p>
+            <a:r>
+              <a:rPr lang="en-MY" sz="2400" dirty="0">
+                <a:solidFill>
+                  <a:schemeClr val="accent1">
+                    <a:lumMod val="75000"/>
+                  </a:schemeClr>
+                </a:solidFill>
+                <a:latin typeface="Arial Narrow" panose="020B0604020202020204" pitchFamily="34" charset="0"/>
+              </a:rPr>
+              <a:t>Score   0.9654622235356315</a:t>
             </a:r>
           </a:p>
         </p:txBody>
